--- a/Batch-10/Proff Lecture Material/2. INTRODUCTION TO AWS.pptx
+++ b/Batch-10/Proff Lecture Material/2. INTRODUCTION TO AWS.pptx
@@ -5,16 +5,17 @@
     <p:sldMasterId id="2147483660" r:id="rId1"/>
   </p:sldMasterIdLst>
   <p:notesMasterIdLst>
-    <p:notesMasterId r:id="rId9"/>
+    <p:notesMasterId r:id="rId10"/>
   </p:notesMasterIdLst>
   <p:sldIdLst>
     <p:sldId id="256" r:id="rId2"/>
     <p:sldId id="260" r:id="rId3"/>
-    <p:sldId id="261" r:id="rId4"/>
-    <p:sldId id="264" r:id="rId5"/>
-    <p:sldId id="262" r:id="rId6"/>
-    <p:sldId id="265" r:id="rId7"/>
-    <p:sldId id="263" r:id="rId8"/>
+    <p:sldId id="266" r:id="rId4"/>
+    <p:sldId id="261" r:id="rId5"/>
+    <p:sldId id="264" r:id="rId6"/>
+    <p:sldId id="262" r:id="rId7"/>
+    <p:sldId id="265" r:id="rId8"/>
+    <p:sldId id="263" r:id="rId9"/>
   </p:sldIdLst>
   <p:sldSz cx="9144000" cy="6858000" type="screen4x3"/>
   <p:notesSz cx="6858000" cy="9144000"/>
@@ -214,7 +215,7 @@
           <a:p>
             <a:fld id="{91A00CD1-1069-498C-ABC9-89BBA60B1D41}" type="datetimeFigureOut">
               <a:rPr lang="en-US" smtClean="0"/>
-              <a:t>8/15/2022</a:t>
+              <a:t>1/17/2023</a:t>
             </a:fld>
             <a:endParaRPr lang="en-US"/>
           </a:p>
@@ -546,7 +547,7 @@
           <a:p>
             <a:fld id="{E74F2C4E-4A23-45E1-97E9-8A7FC415DBB2}" type="slidenum">
               <a:rPr lang="en-US" smtClean="0"/>
-              <a:t>7</a:t>
+              <a:t>8</a:t>
             </a:fld>
             <a:endParaRPr lang="en-US"/>
           </a:p>
@@ -737,7 +738,7 @@
             <a:fld id="{A27CFB8F-DFCD-4008-9245-A892E2BE0164}" type="datetimeFigureOut">
               <a:rPr lang="en-US" smtClean="0"/>
               <a:pPr/>
-              <a:t>8/15/2022</a:t>
+              <a:t>1/17/2023</a:t>
             </a:fld>
             <a:endParaRPr lang="en-US"/>
           </a:p>
@@ -903,7 +904,7 @@
             <a:fld id="{A27CFB8F-DFCD-4008-9245-A892E2BE0164}" type="datetimeFigureOut">
               <a:rPr lang="en-US" smtClean="0"/>
               <a:pPr/>
-              <a:t>8/15/2022</a:t>
+              <a:t>1/17/2023</a:t>
             </a:fld>
             <a:endParaRPr lang="en-US"/>
           </a:p>
@@ -1079,7 +1080,7 @@
             <a:fld id="{A27CFB8F-DFCD-4008-9245-A892E2BE0164}" type="datetimeFigureOut">
               <a:rPr lang="en-US" smtClean="0"/>
               <a:pPr/>
-              <a:t>8/15/2022</a:t>
+              <a:t>1/17/2023</a:t>
             </a:fld>
             <a:endParaRPr lang="en-US"/>
           </a:p>
@@ -1245,7 +1246,7 @@
             <a:fld id="{A27CFB8F-DFCD-4008-9245-A892E2BE0164}" type="datetimeFigureOut">
               <a:rPr lang="en-US" smtClean="0"/>
               <a:pPr/>
-              <a:t>8/15/2022</a:t>
+              <a:t>1/17/2023</a:t>
             </a:fld>
             <a:endParaRPr lang="en-US"/>
           </a:p>
@@ -1488,7 +1489,7 @@
             <a:fld id="{A27CFB8F-DFCD-4008-9245-A892E2BE0164}" type="datetimeFigureOut">
               <a:rPr lang="en-US" smtClean="0"/>
               <a:pPr/>
-              <a:t>8/15/2022</a:t>
+              <a:t>1/17/2023</a:t>
             </a:fld>
             <a:endParaRPr lang="en-US"/>
           </a:p>
@@ -1753,7 +1754,7 @@
             <a:fld id="{A27CFB8F-DFCD-4008-9245-A892E2BE0164}" type="datetimeFigureOut">
               <a:rPr lang="en-US" smtClean="0"/>
               <a:pPr/>
-              <a:t>8/15/2022</a:t>
+              <a:t>1/17/2023</a:t>
             </a:fld>
             <a:endParaRPr lang="en-US"/>
           </a:p>
@@ -2132,7 +2133,7 @@
             <a:fld id="{A27CFB8F-DFCD-4008-9245-A892E2BE0164}" type="datetimeFigureOut">
               <a:rPr lang="en-US" smtClean="0"/>
               <a:pPr/>
-              <a:t>8/15/2022</a:t>
+              <a:t>1/17/2023</a:t>
             </a:fld>
             <a:endParaRPr lang="en-US"/>
           </a:p>
@@ -2283,7 +2284,7 @@
             <a:fld id="{A27CFB8F-DFCD-4008-9245-A892E2BE0164}" type="datetimeFigureOut">
               <a:rPr lang="en-US" smtClean="0"/>
               <a:pPr/>
-              <a:t>8/15/2022</a:t>
+              <a:t>1/17/2023</a:t>
             </a:fld>
             <a:endParaRPr lang="en-US"/>
           </a:p>
@@ -2375,7 +2376,7 @@
             <a:fld id="{A27CFB8F-DFCD-4008-9245-A892E2BE0164}" type="datetimeFigureOut">
               <a:rPr lang="en-US" smtClean="0"/>
               <a:pPr/>
-              <a:t>8/15/2022</a:t>
+              <a:t>1/17/2023</a:t>
             </a:fld>
             <a:endParaRPr lang="en-US"/>
           </a:p>
@@ -2637,7 +2638,7 @@
             <a:fld id="{A27CFB8F-DFCD-4008-9245-A892E2BE0164}" type="datetimeFigureOut">
               <a:rPr lang="en-US" smtClean="0"/>
               <a:pPr/>
-              <a:t>8/15/2022</a:t>
+              <a:t>1/17/2023</a:t>
             </a:fld>
             <a:endParaRPr lang="en-US"/>
           </a:p>
@@ -2926,7 +2927,7 @@
             <a:fld id="{A27CFB8F-DFCD-4008-9245-A892E2BE0164}" type="datetimeFigureOut">
               <a:rPr lang="en-US" smtClean="0"/>
               <a:pPr/>
-              <a:t>8/15/2022</a:t>
+              <a:t>1/17/2023</a:t>
             </a:fld>
             <a:endParaRPr lang="en-US"/>
           </a:p>
@@ -3697,7 +3698,7 @@
             <a:fld id="{A27CFB8F-DFCD-4008-9245-A892E2BE0164}" type="datetimeFigureOut">
               <a:rPr lang="en-US" smtClean="0"/>
               <a:pPr/>
-              <a:t>8/15/2022</a:t>
+              <a:t>1/17/2023</a:t>
             </a:fld>
             <a:endParaRPr lang="en-US"/>
           </a:p>
@@ -4326,13 +4327,30 @@
             <p:ph type="ctrTitle"/>
           </p:nvPr>
         </p:nvSpPr>
-        <p:spPr/>
+        <p:spPr>
+          <a:xfrm>
+            <a:off x="381000" y="3048000"/>
+            <a:ext cx="7851648" cy="1828800"/>
+          </a:xfrm>
+        </p:spPr>
         <p:txBody>
           <a:bodyPr>
             <a:noAutofit/>
           </a:bodyPr>
           <a:lstStyle/>
           <a:p>
+            <a:pPr algn="ctr"/>
+            <a:r>
+              <a:rPr lang="en-US" sz="6000" dirty="0">
+                <a:solidFill>
+                  <a:srgbClr val="FFC000"/>
+                </a:solidFill>
+              </a:rPr>
+              <a:t>TNGS Learning Solutions</a:t>
+            </a:r>
+            <a:br>
+              <a:rPr lang="en-US" sz="6600" dirty="0"/>
+            </a:br>
             <a:r>
               <a:rPr lang="en-US" sz="6600" dirty="0"/>
               <a:t>INTRODUCTION TO AWS</a:t>
@@ -4383,14 +4401,14 @@
         </p:spPr>
         <p:txBody>
           <a:bodyPr>
-            <a:normAutofit/>
+            <a:normAutofit fontScale="90000"/>
           </a:bodyPr>
           <a:lstStyle/>
           <a:p>
             <a:pPr algn="ctr"/>
             <a:r>
-              <a:rPr lang="en-US" sz="3200" b="1" dirty="0"/>
-              <a:t>REGIONS AND AVAILABILITY ZONE</a:t>
+              <a:rPr lang="en-US" sz="3600" b="1" dirty="0"/>
+              <a:t>AWS (Amazon Web Services)</a:t>
             </a:r>
           </a:p>
         </p:txBody>
@@ -4413,69 +4431,90 @@
         </p:spPr>
         <p:txBody>
           <a:bodyPr>
-            <a:normAutofit fontScale="85000" lnSpcReduction="10000"/>
+            <a:normAutofit lnSpcReduction="10000"/>
           </a:bodyPr>
           <a:lstStyle/>
           <a:p>
             <a:r>
               <a:rPr lang="en-US" dirty="0"/>
-              <a:t>In AWS, we manage resource in isolated locations referred to as </a:t>
-            </a:r>
-            <a:r>
-              <a:rPr lang="en-US" b="1" dirty="0"/>
-              <a:t>Regions/Data Centers</a:t>
-            </a:r>
-          </a:p>
-          <a:p>
+              <a:t>Cloud Service Provider</a:t>
+            </a:r>
+          </a:p>
+          <a:p>
+            <a:pPr lvl="1"/>
             <a:r>
               <a:rPr lang="en-US" dirty="0"/>
-              <a:t>Most Amazon service are hosted in multiple locations world-wide. </a:t>
+              <a:t>Offers various types of services</a:t>
             </a:r>
           </a:p>
           <a:p>
             <a:pPr lvl="1"/>
             <a:r>
               <a:rPr lang="en-US" dirty="0"/>
-              <a:t>These Service are referred to as </a:t>
+              <a:t>IaaS (Infrastructure as a Service)</a:t>
+            </a:r>
+          </a:p>
+          <a:p>
+            <a:pPr lvl="1"/>
+            <a:r>
+              <a:rPr lang="en-US" dirty="0"/>
+              <a:t>SaaS (Software as a Service)</a:t>
+            </a:r>
+          </a:p>
+          <a:p>
+            <a:pPr lvl="1"/>
+            <a:r>
+              <a:rPr lang="en-US" dirty="0"/>
+              <a:t>PaaS (Platform as a Service)</a:t>
+            </a:r>
+          </a:p>
+          <a:p>
+            <a:r>
+              <a:rPr lang="en-US"/>
+              <a:t>Leading Cloud </a:t>
+            </a:r>
+            <a:r>
+              <a:rPr lang="en-US" dirty="0"/>
+              <a:t>Service Providers</a:t>
+            </a:r>
+          </a:p>
+          <a:p>
+            <a:r>
+              <a:rPr lang="en-US" dirty="0"/>
+              <a:t>Other CSP</a:t>
+            </a:r>
+          </a:p>
+          <a:p>
+            <a:pPr lvl="1"/>
+            <a:r>
+              <a:rPr lang="en-US" dirty="0"/>
+              <a:t>GCP </a:t>
             </a:r>
             <a:r>
               <a:rPr lang="en-US" dirty="0">
-                <a:solidFill>
-                  <a:srgbClr val="FF0000"/>
-                </a:solidFill>
+                <a:sym typeface="Wingdings" panose="05000000000000000000" pitchFamily="2" charset="2"/>
               </a:rPr>
-              <a:t>Region-Specific Services</a:t>
-            </a:r>
-          </a:p>
-          <a:p>
-            <a:r>
-              <a:rPr lang="en-US" dirty="0"/>
-              <a:t>These locations are composed of  regions and Availability Zones. </a:t>
-            </a:r>
-          </a:p>
-          <a:p>
-            <a:r>
-              <a:rPr lang="en-US" dirty="0"/>
-              <a:t>Each region is a separate geographic area. </a:t>
-            </a:r>
-          </a:p>
-          <a:p>
-            <a:r>
-              <a:rPr lang="en-US" dirty="0"/>
-              <a:t>Each region has multiple, isolated locations known as Availability Zones. </a:t>
-            </a:r>
-          </a:p>
-          <a:p>
-            <a:r>
-              <a:rPr lang="en-US" dirty="0"/>
-              <a:t>This provides you with the ability to place resources, such as instances, and data in multiple locations. </a:t>
-            </a:r>
-          </a:p>
-          <a:p>
-            <a:r>
-              <a:rPr lang="en-US" dirty="0"/>
-              <a:t>Resources aren’t automatically replicated across regions unless you specify do so.</a:t>
-            </a:r>
+              <a:t> Google Cloud Platform</a:t>
+            </a:r>
+          </a:p>
+          <a:p>
+            <a:pPr lvl="1"/>
+            <a:r>
+              <a:rPr lang="en-US" dirty="0">
+                <a:sym typeface="Wingdings" panose="05000000000000000000" pitchFamily="2" charset="2"/>
+              </a:rPr>
+              <a:t>Azure by Microsoft </a:t>
+            </a:r>
+          </a:p>
+          <a:p>
+            <a:pPr lvl="1"/>
+            <a:r>
+              <a:rPr lang="en-US" dirty="0">
+                <a:sym typeface="Wingdings" panose="05000000000000000000" pitchFamily="2" charset="2"/>
+              </a:rPr>
+              <a:t>Alibaba Cloud</a:t>
+            </a:r>
+            <a:endParaRPr lang="en-US" dirty="0"/>
           </a:p>
         </p:txBody>
       </p:sp>
@@ -4514,6 +4553,150 @@
             <p:ph type="title"/>
           </p:nvPr>
         </p:nvSpPr>
+        <p:spPr>
+          <a:xfrm>
+            <a:off x="457200" y="914400"/>
+            <a:ext cx="8229600" cy="551688"/>
+          </a:xfrm>
+        </p:spPr>
+        <p:txBody>
+          <a:bodyPr>
+            <a:normAutofit fontScale="90000"/>
+          </a:bodyPr>
+          <a:lstStyle/>
+          <a:p>
+            <a:pPr algn="ctr"/>
+            <a:r>
+              <a:rPr lang="en-US" sz="3600" b="1" dirty="0"/>
+              <a:t>AWS (Amazon Web Services)</a:t>
+            </a:r>
+          </a:p>
+        </p:txBody>
+      </p:sp>
+      <p:sp>
+        <p:nvSpPr>
+          <p:cNvPr id="3" name="Content Placeholder 2"/>
+          <p:cNvSpPr>
+            <a:spLocks noGrp="1"/>
+          </p:cNvSpPr>
+          <p:nvPr>
+            <p:ph idx="1"/>
+          </p:nvPr>
+        </p:nvSpPr>
+        <p:spPr>
+          <a:xfrm>
+            <a:off x="457200" y="1828800"/>
+            <a:ext cx="8229600" cy="4495800"/>
+          </a:xfrm>
+        </p:spPr>
+        <p:txBody>
+          <a:bodyPr>
+            <a:normAutofit fontScale="85000" lnSpcReduction="10000"/>
+          </a:bodyPr>
+          <a:lstStyle/>
+          <a:p>
+            <a:r>
+              <a:rPr lang="en-US" dirty="0"/>
+              <a:t>In AWS platform, we manage resource in isolated locations referred to as </a:t>
+            </a:r>
+            <a:r>
+              <a:rPr lang="en-US" b="1" dirty="0"/>
+              <a:t>Regions/Data Centers</a:t>
+            </a:r>
+          </a:p>
+          <a:p>
+            <a:r>
+              <a:rPr lang="en-US" dirty="0"/>
+              <a:t>Most Amazon service are hosted in multiple locations world-wide. </a:t>
+            </a:r>
+          </a:p>
+          <a:p>
+            <a:pPr lvl="1"/>
+            <a:r>
+              <a:rPr lang="en-US" dirty="0"/>
+              <a:t>These Service are referred to as </a:t>
+            </a:r>
+            <a:r>
+              <a:rPr lang="en-US" dirty="0">
+                <a:solidFill>
+                  <a:srgbClr val="FF0000"/>
+                </a:solidFill>
+              </a:rPr>
+              <a:t>Region-Specific Services</a:t>
+            </a:r>
+          </a:p>
+          <a:p>
+            <a:r>
+              <a:rPr lang="en-US" dirty="0"/>
+              <a:t>These locations are composed of  regions and Availability Zones. </a:t>
+            </a:r>
+          </a:p>
+          <a:p>
+            <a:r>
+              <a:rPr lang="en-US" dirty="0"/>
+              <a:t>Each region is a separate geographic area. </a:t>
+            </a:r>
+          </a:p>
+          <a:p>
+            <a:r>
+              <a:rPr lang="en-US" dirty="0"/>
+              <a:t>Each region has multiple, isolated locations known as Availability Zones. </a:t>
+            </a:r>
+          </a:p>
+          <a:p>
+            <a:r>
+              <a:rPr lang="en-US" dirty="0"/>
+              <a:t>This provides you with the ability to place resources, such as instances, and data in multiple locations. </a:t>
+            </a:r>
+          </a:p>
+          <a:p>
+            <a:r>
+              <a:rPr lang="en-US" dirty="0"/>
+              <a:t>Resources aren’t automatically replicated across regions unless you specify do so.</a:t>
+            </a:r>
+          </a:p>
+        </p:txBody>
+      </p:sp>
+    </p:spTree>
+    <p:extLst>
+      <p:ext uri="{BB962C8B-B14F-4D97-AF65-F5344CB8AC3E}">
+        <p14:creationId xmlns:p14="http://schemas.microsoft.com/office/powerpoint/2010/main" val="2815034464"/>
+      </p:ext>
+    </p:extLst>
+  </p:cSld>
+  <p:clrMapOvr>
+    <a:masterClrMapping/>
+  </p:clrMapOvr>
+</p:sld>
+</file>
+
+<file path=ppt/slides/slide4.xml><?xml version="1.0" encoding="utf-8"?>
+<p:sld xmlns:a="http://schemas.openxmlformats.org/drawingml/2006/main" xmlns:r="http://schemas.openxmlformats.org/officeDocument/2006/relationships" xmlns:p="http://schemas.openxmlformats.org/presentationml/2006/main">
+  <p:cSld>
+    <p:spTree>
+      <p:nvGrpSpPr>
+        <p:cNvPr id="1" name=""/>
+        <p:cNvGrpSpPr/>
+        <p:nvPr/>
+      </p:nvGrpSpPr>
+      <p:grpSpPr>
+        <a:xfrm>
+          <a:off x="0" y="0"/>
+          <a:ext cx="0" cy="0"/>
+          <a:chOff x="0" y="0"/>
+          <a:chExt cx="0" cy="0"/>
+        </a:xfrm>
+      </p:grpSpPr>
+      <p:sp>
+        <p:nvSpPr>
+          <p:cNvPr id="2" name="Title 1"/>
+          <p:cNvSpPr>
+            <a:spLocks noGrp="1"/>
+          </p:cNvSpPr>
+          <p:nvPr>
+            <p:ph type="title"/>
+          </p:nvPr>
+        </p:nvSpPr>
         <p:spPr/>
         <p:txBody>
           <a:bodyPr>
@@ -4576,7 +4759,7 @@
 </p:sld>
 </file>
 
-<file path=ppt/slides/slide4.xml><?xml version="1.0" encoding="utf-8"?>
+<file path=ppt/slides/slide5.xml><?xml version="1.0" encoding="utf-8"?>
 <p:sld xmlns:a="http://schemas.openxmlformats.org/drawingml/2006/main" xmlns:r="http://schemas.openxmlformats.org/officeDocument/2006/relationships" xmlns:p="http://schemas.openxmlformats.org/presentationml/2006/main">
   <p:cSld>
     <p:spTree>
@@ -4662,7 +4845,7 @@
 </p:sld>
 </file>
 
-<file path=ppt/slides/slide5.xml><?xml version="1.0" encoding="utf-8"?>
+<file path=ppt/slides/slide6.xml><?xml version="1.0" encoding="utf-8"?>
 <p:sld xmlns:a="http://schemas.openxmlformats.org/drawingml/2006/main" xmlns:r="http://schemas.openxmlformats.org/officeDocument/2006/relationships" xmlns:p="http://schemas.openxmlformats.org/presentationml/2006/main">
   <p:cSld>
     <p:spTree>
@@ -4718,6 +4901,9 @@
           <a:bodyPr/>
           <a:lstStyle/>
           <a:p>
+            <a:pPr marL="0" indent="0" algn="ctr">
+              <a:buNone/>
+            </a:pPr>
             <a:r>
               <a:rPr lang="en-US" dirty="0">
                 <a:hlinkClick r:id="rId2"/>
@@ -4774,7 +4960,7 @@
 </p:sld>
 </file>
 
-<file path=ppt/slides/slide6.xml><?xml version="1.0" encoding="utf-8"?>
+<file path=ppt/slides/slide7.xml><?xml version="1.0" encoding="utf-8"?>
 <p:sld xmlns:a="http://schemas.openxmlformats.org/drawingml/2006/main" xmlns:r="http://schemas.openxmlformats.org/officeDocument/2006/relationships" xmlns:p="http://schemas.openxmlformats.org/presentationml/2006/main">
   <p:cSld>
     <p:spTree>
@@ -4864,55 +5050,55 @@
           <a:p>
             <a:pPr>
               <a:lnSpc>
-                <a:spcPct val="300000"/>
+                <a:spcPct val="200000"/>
               </a:lnSpc>
             </a:pPr>
             <a:r>
-              <a:rPr lang="en-US" sz="1800" b="1" dirty="0"/>
+              <a:rPr lang="en-US" sz="2400" b="1" dirty="0"/>
               <a:t>Operational Excellence</a:t>
             </a:r>
           </a:p>
           <a:p>
             <a:pPr>
               <a:lnSpc>
-                <a:spcPct val="300000"/>
+                <a:spcPct val="200000"/>
               </a:lnSpc>
             </a:pPr>
             <a:r>
-              <a:rPr lang="en-US" sz="1800" b="1" dirty="0"/>
+              <a:rPr lang="en-US" sz="2400" b="1" dirty="0"/>
               <a:t>Security</a:t>
             </a:r>
           </a:p>
           <a:p>
             <a:pPr>
               <a:lnSpc>
-                <a:spcPct val="300000"/>
+                <a:spcPct val="200000"/>
               </a:lnSpc>
             </a:pPr>
             <a:r>
-              <a:rPr lang="en-US" sz="1800" b="1" dirty="0"/>
+              <a:rPr lang="en-US" sz="2400" b="1" dirty="0"/>
               <a:t>Reliability</a:t>
             </a:r>
           </a:p>
           <a:p>
             <a:pPr>
               <a:lnSpc>
-                <a:spcPct val="300000"/>
+                <a:spcPct val="200000"/>
               </a:lnSpc>
             </a:pPr>
             <a:r>
-              <a:rPr lang="en-US" sz="1800" b="1" dirty="0"/>
+              <a:rPr lang="en-US" sz="2400" b="1" dirty="0"/>
               <a:t> Performance</a:t>
             </a:r>
           </a:p>
           <a:p>
             <a:pPr>
               <a:lnSpc>
-                <a:spcPct val="300000"/>
+                <a:spcPct val="200000"/>
               </a:lnSpc>
             </a:pPr>
             <a:r>
-              <a:rPr lang="en-US" sz="1800" b="1" dirty="0"/>
+              <a:rPr lang="en-US" sz="2400" b="1" dirty="0"/>
               <a:t>Cost Optimization</a:t>
             </a:r>
           </a:p>
@@ -4934,7 +5120,7 @@
 </p:sld>
 </file>
 
-<file path=ppt/slides/slide7.xml><?xml version="1.0" encoding="utf-8"?>
+<file path=ppt/slides/slide8.xml><?xml version="1.0" encoding="utf-8"?>
 <p:sld xmlns:a="http://schemas.openxmlformats.org/drawingml/2006/main" xmlns:r="http://schemas.openxmlformats.org/officeDocument/2006/relationships" xmlns:p="http://schemas.openxmlformats.org/presentationml/2006/main">
   <p:cSld>
     <p:spTree>
